--- a/materials/slides/2-3 jQuery事件和事件处理.pptx
+++ b/materials/slides/2-3 jQuery事件和事件处理.pptx
@@ -4564,7 +4564,7 @@
         <p:spPr>
           <a:xfrm>
             <a:off x="972820" y="868680"/>
-            <a:ext cx="9645650" cy="5262245"/>
+            <a:ext cx="9645650" cy="4523105"/>
           </a:xfrm>
           <a:prstGeom prst="rect">
             <a:avLst/>
@@ -4579,171 +4579,125 @@
             <a:spAutoFit/>
           </a:bodyPr>
           <a:p>
-            <a:pPr eaLnBrk="0" hangingPunct="0"/>
-            <a:r>
-              <a:rPr lang="en-US" altLang="zh-CN" sz="2800" dirty="0">
-                <a:latin typeface="+mn-ea"/>
-                <a:ea typeface="+mn-ea"/>
+            <a:pPr eaLnBrk="0" hangingPunct="0">
+              <a:lnSpc>
+                <a:spcPct val="150000"/>
+              </a:lnSpc>
+            </a:pPr>
+            <a:r>
+              <a:rPr lang="en-US" altLang="zh-CN" sz="2400" dirty="0">
+                <a:latin typeface="微软雅黑" panose="020B0503020204020204" pitchFamily="34" charset="-122"/>
               </a:rPr>
-              <a:t>	&lt;script src="jquery-3.2.1.slim.min.js"&gt;&lt;/script&gt;</a:t>
-            </a:r>
-            <a:endParaRPr lang="en-US" altLang="zh-CN" sz="2800" dirty="0">
-              <a:latin typeface="+mn-ea"/>
-              <a:ea typeface="+mn-ea"/>
+              <a:t>&lt;script&gt;</a:t>
+            </a:r>
+            <a:endParaRPr lang="en-US" altLang="zh-CN" sz="2400" dirty="0">
+              <a:latin typeface="微软雅黑" panose="020B0503020204020204" pitchFamily="34" charset="-122"/>
             </a:endParaRPr>
           </a:p>
           <a:p>
-            <a:pPr eaLnBrk="0" hangingPunct="0"/>
-            <a:r>
-              <a:rPr lang="en-US" altLang="zh-CN" sz="2800" dirty="0">
-                <a:latin typeface="+mn-ea"/>
-                <a:ea typeface="+mn-ea"/>
+            <a:pPr eaLnBrk="0" hangingPunct="0">
+              <a:lnSpc>
+                <a:spcPct val="150000"/>
+              </a:lnSpc>
+            </a:pPr>
+            <a:r>
+              <a:rPr lang="en-US" altLang="zh-CN" sz="2400" dirty="0">
+                <a:latin typeface="微软雅黑" panose="020B0503020204020204" pitchFamily="34" charset="-122"/>
               </a:rPr>
-              <a:t>	&lt;script&gt;</a:t>
-            </a:r>
-            <a:endParaRPr lang="en-US" altLang="zh-CN" sz="2800" dirty="0">
-              <a:latin typeface="+mn-ea"/>
-              <a:ea typeface="+mn-ea"/>
+              <a:t>	$(document).ready(function(){</a:t>
+            </a:r>
+            <a:endParaRPr lang="en-US" altLang="zh-CN" sz="2400" dirty="0">
+              <a:latin typeface="微软雅黑" panose="020B0503020204020204" pitchFamily="34" charset="-122"/>
             </a:endParaRPr>
           </a:p>
           <a:p>
-            <a:pPr eaLnBrk="0" hangingPunct="0"/>
-            <a:r>
-              <a:rPr lang="en-US" altLang="zh-CN" sz="2800" dirty="0">
-                <a:latin typeface="+mn-ea"/>
-                <a:ea typeface="+mn-ea"/>
+            <a:pPr eaLnBrk="0" hangingPunct="0">
+              <a:lnSpc>
+                <a:spcPct val="150000"/>
+              </a:lnSpc>
+            </a:pPr>
+            <a:r>
+              <a:rPr lang="en-US" altLang="zh-CN" sz="2400" dirty="0">
+                <a:latin typeface="微软雅黑" panose="020B0503020204020204" pitchFamily="34" charset="-122"/>
               </a:rPr>
-              <a:t>		$(document).ready(function(){</a:t>
-            </a:r>
-            <a:endParaRPr lang="en-US" altLang="zh-CN" sz="2800" dirty="0">
-              <a:latin typeface="+mn-ea"/>
-              <a:ea typeface="+mn-ea"/>
+              <a:t>		$("#buts").bind("click",function(){</a:t>
+            </a:r>
+            <a:endParaRPr lang="en-US" altLang="zh-CN" sz="2400" dirty="0">
+              <a:latin typeface="微软雅黑" panose="020B0503020204020204" pitchFamily="34" charset="-122"/>
             </a:endParaRPr>
           </a:p>
           <a:p>
-            <a:pPr eaLnBrk="0" hangingPunct="0"/>
-            <a:r>
-              <a:rPr lang="en-US" altLang="zh-CN" sz="2800" dirty="0">
-                <a:latin typeface="+mn-ea"/>
-                <a:ea typeface="+mn-ea"/>
+            <a:pPr eaLnBrk="0" hangingPunct="0">
+              <a:lnSpc>
+                <a:spcPct val="150000"/>
+              </a:lnSpc>
+            </a:pPr>
+            <a:r>
+              <a:rPr lang="en-US" altLang="zh-CN" sz="2400" dirty="0">
+                <a:latin typeface="微软雅黑" panose="020B0503020204020204" pitchFamily="34" charset="-122"/>
               </a:rPr>
-              <a:t>			$("#buts").bind("click",function(){</a:t>
-            </a:r>
-            <a:endParaRPr lang="en-US" altLang="zh-CN" sz="2800" dirty="0">
-              <a:latin typeface="+mn-ea"/>
-              <a:ea typeface="+mn-ea"/>
+              <a:t>			alert('Bind绑定事件测试');</a:t>
+            </a:r>
+            <a:endParaRPr lang="en-US" altLang="zh-CN" sz="2400" dirty="0">
+              <a:latin typeface="微软雅黑" panose="020B0503020204020204" pitchFamily="34" charset="-122"/>
             </a:endParaRPr>
           </a:p>
           <a:p>
-            <a:pPr eaLnBrk="0" hangingPunct="0"/>
-            <a:r>
-              <a:rPr lang="en-US" altLang="zh-CN" sz="2800" dirty="0">
-                <a:latin typeface="+mn-ea"/>
-                <a:ea typeface="+mn-ea"/>
-              </a:rPr>
-              <a:t>				alert('Bind绑定事件测试');</a:t>
-            </a:r>
-            <a:endParaRPr lang="en-US" altLang="zh-CN" sz="2800" dirty="0">
-              <a:latin typeface="+mn-ea"/>
-              <a:ea typeface="+mn-ea"/>
-            </a:endParaRPr>
-          </a:p>
-          <a:p>
-            <a:pPr eaLnBrk="0" hangingPunct="0"/>
-            <a:r>
-              <a:rPr lang="en-US" altLang="zh-CN" sz="2800" dirty="0">
-                <a:latin typeface="+mn-ea"/>
-                <a:ea typeface="+mn-ea"/>
-              </a:rPr>
-              <a:t>			});</a:t>
-            </a:r>
-            <a:endParaRPr lang="en-US" altLang="zh-CN" sz="2800" dirty="0">
-              <a:latin typeface="+mn-ea"/>
-              <a:ea typeface="+mn-ea"/>
-            </a:endParaRPr>
-          </a:p>
-          <a:p>
-            <a:pPr eaLnBrk="0" hangingPunct="0"/>
-            <a:r>
-              <a:rPr lang="en-US" altLang="zh-CN" sz="2800" dirty="0">
-                <a:latin typeface="+mn-ea"/>
-                <a:ea typeface="+mn-ea"/>
+            <a:pPr eaLnBrk="0" hangingPunct="0">
+              <a:lnSpc>
+                <a:spcPct val="150000"/>
+              </a:lnSpc>
+            </a:pPr>
+            <a:r>
+              <a:rPr lang="en-US" altLang="zh-CN" sz="2400" dirty="0">
+                <a:latin typeface="微软雅黑" panose="020B0503020204020204" pitchFamily="34" charset="-122"/>
               </a:rPr>
               <a:t>		});</a:t>
             </a:r>
-            <a:endParaRPr lang="en-US" altLang="zh-CN" sz="2800" dirty="0">
-              <a:latin typeface="+mn-ea"/>
-              <a:ea typeface="+mn-ea"/>
+            <a:endParaRPr lang="en-US" altLang="zh-CN" sz="2400" dirty="0">
+              <a:latin typeface="微软雅黑" panose="020B0503020204020204" pitchFamily="34" charset="-122"/>
             </a:endParaRPr>
           </a:p>
           <a:p>
-            <a:pPr eaLnBrk="0" hangingPunct="0"/>
-            <a:r>
-              <a:rPr lang="en-US" altLang="zh-CN" sz="2800" dirty="0">
-                <a:latin typeface="+mn-ea"/>
-                <a:ea typeface="+mn-ea"/>
+            <a:pPr eaLnBrk="0" hangingPunct="0">
+              <a:lnSpc>
+                <a:spcPct val="150000"/>
+              </a:lnSpc>
+            </a:pPr>
+            <a:r>
+              <a:rPr lang="en-US" altLang="zh-CN" sz="2400" dirty="0">
+                <a:latin typeface="微软雅黑" panose="020B0503020204020204" pitchFamily="34" charset="-122"/>
               </a:rPr>
-              <a:t>	&lt;/script&gt;</a:t>
-            </a:r>
-            <a:endParaRPr lang="en-US" altLang="zh-CN" sz="2800" dirty="0">
-              <a:latin typeface="+mn-ea"/>
-              <a:ea typeface="+mn-ea"/>
+              <a:t>	});</a:t>
+            </a:r>
+            <a:endParaRPr lang="en-US" altLang="zh-CN" sz="2400" dirty="0">
+              <a:latin typeface="微软雅黑" panose="020B0503020204020204" pitchFamily="34" charset="-122"/>
             </a:endParaRPr>
           </a:p>
           <a:p>
-            <a:pPr eaLnBrk="0" hangingPunct="0"/>
-            <a:r>
-              <a:rPr lang="en-US" altLang="zh-CN" sz="2800" dirty="0">
-                <a:latin typeface="+mn-ea"/>
-                <a:ea typeface="+mn-ea"/>
+            <a:pPr eaLnBrk="0" hangingPunct="0">
+              <a:lnSpc>
+                <a:spcPct val="150000"/>
+              </a:lnSpc>
+            </a:pPr>
+            <a:r>
+              <a:rPr lang="en-US" altLang="zh-CN" sz="2400" dirty="0">
+                <a:latin typeface="微软雅黑" panose="020B0503020204020204" pitchFamily="34" charset="-122"/>
               </a:rPr>
-              <a:t>&lt;/head&gt;</a:t>
-            </a:r>
-            <a:endParaRPr lang="en-US" altLang="zh-CN" sz="2800" dirty="0">
-              <a:latin typeface="+mn-ea"/>
-              <a:ea typeface="+mn-ea"/>
+              <a:t>&lt;/script&gt;</a:t>
+            </a:r>
+            <a:endParaRPr lang="en-US" altLang="zh-CN" sz="2400" dirty="0">
+              <a:latin typeface="微软雅黑" panose="020B0503020204020204" pitchFamily="34" charset="-122"/>
             </a:endParaRPr>
           </a:p>
           <a:p>
-            <a:pPr eaLnBrk="0" hangingPunct="0"/>
-            <a:r>
-              <a:rPr lang="en-US" altLang="zh-CN" sz="2800" dirty="0">
-                <a:latin typeface="+mn-ea"/>
-                <a:ea typeface="+mn-ea"/>
-              </a:rPr>
-              <a:t>&lt;body&gt;</a:t>
-            </a:r>
-            <a:endParaRPr lang="en-US" altLang="zh-CN" sz="2800" dirty="0">
-              <a:latin typeface="+mn-ea"/>
-              <a:ea typeface="+mn-ea"/>
-            </a:endParaRPr>
-          </a:p>
-          <a:p>
-            <a:pPr eaLnBrk="0" hangingPunct="0"/>
-            <a:r>
-              <a:rPr lang="en-US" altLang="zh-CN" sz="2800" dirty="0">
-                <a:latin typeface="+mn-ea"/>
-                <a:ea typeface="+mn-ea"/>
-              </a:rPr>
-              <a:t>	&lt;input type="button" id="buts" value="点击"  /&gt;</a:t>
-            </a:r>
-            <a:endParaRPr lang="en-US" altLang="zh-CN" sz="2800" dirty="0">
-              <a:latin typeface="+mn-ea"/>
-              <a:ea typeface="+mn-ea"/>
-            </a:endParaRPr>
-          </a:p>
-          <a:p>
-            <a:pPr eaLnBrk="0" hangingPunct="0"/>
-            <a:r>
-              <a:rPr lang="en-US" altLang="zh-CN" sz="2800" dirty="0">
-                <a:latin typeface="+mn-ea"/>
-                <a:ea typeface="+mn-ea"/>
-              </a:rPr>
-              <a:t>&lt;/body&gt;</a:t>
-            </a:r>
-            <a:endParaRPr lang="en-US" altLang="zh-CN" sz="2800" dirty="0">
-              <a:latin typeface="+mn-ea"/>
-              <a:ea typeface="+mn-ea"/>
+            <a:pPr eaLnBrk="0" hangingPunct="0">
+              <a:lnSpc>
+                <a:spcPct val="150000"/>
+              </a:lnSpc>
+            </a:pPr>
+            <a:endParaRPr lang="en-US" altLang="zh-CN" sz="2400" dirty="0">
+              <a:latin typeface="微软雅黑" panose="020B0503020204020204" pitchFamily="34" charset="-122"/>
             </a:endParaRPr>
           </a:p>
         </p:txBody>
@@ -5510,8 +5464,8 @@
         </p:nvSpPr>
         <p:spPr>
           <a:xfrm>
-            <a:off x="685800" y="868680"/>
-            <a:ext cx="10935970" cy="5692775"/>
+            <a:off x="1116330" y="868680"/>
+            <a:ext cx="10475595" cy="4523105"/>
           </a:xfrm>
           <a:prstGeom prst="rect">
             <a:avLst/>
@@ -5526,171 +5480,125 @@
             <a:spAutoFit/>
           </a:bodyPr>
           <a:p>
-            <a:pPr eaLnBrk="0" hangingPunct="0"/>
-            <a:r>
-              <a:rPr lang="en-US" altLang="zh-CN" sz="2800" dirty="0">
-                <a:latin typeface="+mn-ea"/>
-                <a:ea typeface="+mn-ea"/>
+            <a:pPr eaLnBrk="0" hangingPunct="0">
+              <a:lnSpc>
+                <a:spcPct val="150000"/>
+              </a:lnSpc>
+            </a:pPr>
+            <a:r>
+              <a:rPr lang="en-US" altLang="zh-CN" sz="2400" dirty="0">
+                <a:latin typeface="微软雅黑" panose="020B0503020204020204" pitchFamily="34" charset="-122"/>
               </a:rPr>
-              <a:t>	&lt;script src="jquery-3.2.1.slim.min.js"&gt;&lt;/script&gt;</a:t>
-            </a:r>
-            <a:endParaRPr lang="en-US" altLang="zh-CN" sz="2800" dirty="0">
-              <a:latin typeface="+mn-ea"/>
-              <a:ea typeface="+mn-ea"/>
+              <a:t>&lt;script&gt;</a:t>
+            </a:r>
+            <a:endParaRPr lang="en-US" altLang="zh-CN" sz="2400" dirty="0">
+              <a:latin typeface="微软雅黑" panose="020B0503020204020204" pitchFamily="34" charset="-122"/>
             </a:endParaRPr>
           </a:p>
           <a:p>
-            <a:pPr eaLnBrk="0" hangingPunct="0"/>
-            <a:r>
-              <a:rPr lang="en-US" altLang="zh-CN" sz="2800" dirty="0">
-                <a:latin typeface="+mn-ea"/>
-                <a:ea typeface="+mn-ea"/>
+            <a:pPr eaLnBrk="0" hangingPunct="0">
+              <a:lnSpc>
+                <a:spcPct val="150000"/>
+              </a:lnSpc>
+            </a:pPr>
+            <a:r>
+              <a:rPr lang="en-US" altLang="zh-CN" sz="2400" dirty="0">
+                <a:latin typeface="微软雅黑" panose="020B0503020204020204" pitchFamily="34" charset="-122"/>
               </a:rPr>
-              <a:t>	&lt;script&gt;</a:t>
-            </a:r>
-            <a:endParaRPr lang="en-US" altLang="zh-CN" sz="2800" dirty="0">
-              <a:latin typeface="+mn-ea"/>
-              <a:ea typeface="+mn-ea"/>
+              <a:t>	$(document).ready(function(){</a:t>
+            </a:r>
+            <a:endParaRPr lang="en-US" altLang="zh-CN" sz="2400" dirty="0">
+              <a:latin typeface="微软雅黑" panose="020B0503020204020204" pitchFamily="34" charset="-122"/>
             </a:endParaRPr>
           </a:p>
           <a:p>
-            <a:pPr eaLnBrk="0" hangingPunct="0"/>
-            <a:r>
-              <a:rPr lang="en-US" altLang="zh-CN" sz="2800" dirty="0">
-                <a:latin typeface="+mn-ea"/>
-                <a:ea typeface="+mn-ea"/>
+            <a:pPr eaLnBrk="0" hangingPunct="0">
+              <a:lnSpc>
+                <a:spcPct val="150000"/>
+              </a:lnSpc>
+            </a:pPr>
+            <a:r>
+              <a:rPr lang="en-US" altLang="zh-CN" sz="2400" dirty="0">
+                <a:latin typeface="微软雅黑" panose="020B0503020204020204" pitchFamily="34" charset="-122"/>
               </a:rPr>
-              <a:t>		$(document).ready(function(){</a:t>
-            </a:r>
-            <a:endParaRPr lang="en-US" altLang="zh-CN" sz="2800" dirty="0">
-              <a:latin typeface="+mn-ea"/>
-              <a:ea typeface="+mn-ea"/>
+              <a:t>		$("#divs").bind("dblclick mouseout",function(){</a:t>
+            </a:r>
+            <a:endParaRPr lang="en-US" altLang="zh-CN" sz="2400" dirty="0">
+              <a:latin typeface="微软雅黑" panose="020B0503020204020204" pitchFamily="34" charset="-122"/>
             </a:endParaRPr>
           </a:p>
           <a:p>
-            <a:pPr eaLnBrk="0" hangingPunct="0"/>
-            <a:r>
-              <a:rPr lang="en-US" altLang="zh-CN" sz="2800" dirty="0">
-                <a:latin typeface="+mn-ea"/>
-                <a:ea typeface="+mn-ea"/>
+            <a:pPr eaLnBrk="0" hangingPunct="0">
+              <a:lnSpc>
+                <a:spcPct val="150000"/>
+              </a:lnSpc>
+            </a:pPr>
+            <a:r>
+              <a:rPr lang="en-US" altLang="zh-CN" sz="2400" dirty="0">
+                <a:latin typeface="微软雅黑" panose="020B0503020204020204" pitchFamily="34" charset="-122"/>
               </a:rPr>
-              <a:t>			$("#divs").bind("dblclick mouseout",function(){</a:t>
-            </a:r>
-            <a:endParaRPr lang="en-US" altLang="zh-CN" sz="2800" dirty="0">
-              <a:latin typeface="+mn-ea"/>
-              <a:ea typeface="+mn-ea"/>
+              <a:t>			$(this).css("background-color","blue");</a:t>
+            </a:r>
+            <a:endParaRPr lang="en-US" altLang="zh-CN" sz="2400" dirty="0">
+              <a:latin typeface="微软雅黑" panose="020B0503020204020204" pitchFamily="34" charset="-122"/>
             </a:endParaRPr>
           </a:p>
           <a:p>
-            <a:pPr eaLnBrk="0" hangingPunct="0"/>
-            <a:r>
-              <a:rPr lang="en-US" altLang="zh-CN" sz="2800" dirty="0">
-                <a:latin typeface="+mn-ea"/>
-                <a:ea typeface="+mn-ea"/>
-              </a:rPr>
-              <a:t>				$(this).css("background-color","blue");</a:t>
-            </a:r>
-            <a:endParaRPr lang="en-US" altLang="zh-CN" sz="2800" dirty="0">
-              <a:latin typeface="+mn-ea"/>
-              <a:ea typeface="+mn-ea"/>
-            </a:endParaRPr>
-          </a:p>
-          <a:p>
-            <a:pPr eaLnBrk="0" hangingPunct="0"/>
-            <a:r>
-              <a:rPr lang="en-US" altLang="zh-CN" sz="2800" dirty="0">
-                <a:latin typeface="+mn-ea"/>
-                <a:ea typeface="+mn-ea"/>
-              </a:rPr>
-              <a:t>			});</a:t>
-            </a:r>
-            <a:endParaRPr lang="en-US" altLang="zh-CN" sz="2800" dirty="0">
-              <a:latin typeface="+mn-ea"/>
-              <a:ea typeface="+mn-ea"/>
-            </a:endParaRPr>
-          </a:p>
-          <a:p>
-            <a:pPr eaLnBrk="0" hangingPunct="0"/>
-            <a:r>
-              <a:rPr lang="en-US" altLang="zh-CN" sz="2800" dirty="0">
-                <a:latin typeface="+mn-ea"/>
-                <a:ea typeface="+mn-ea"/>
+            <a:pPr eaLnBrk="0" hangingPunct="0">
+              <a:lnSpc>
+                <a:spcPct val="150000"/>
+              </a:lnSpc>
+            </a:pPr>
+            <a:r>
+              <a:rPr lang="en-US" altLang="zh-CN" sz="2400" dirty="0">
+                <a:latin typeface="微软雅黑" panose="020B0503020204020204" pitchFamily="34" charset="-122"/>
               </a:rPr>
               <a:t>		});</a:t>
             </a:r>
-            <a:endParaRPr lang="en-US" altLang="zh-CN" sz="2800" dirty="0">
-              <a:latin typeface="+mn-ea"/>
-              <a:ea typeface="+mn-ea"/>
+            <a:endParaRPr lang="en-US" altLang="zh-CN" sz="2400" dirty="0">
+              <a:latin typeface="微软雅黑" panose="020B0503020204020204" pitchFamily="34" charset="-122"/>
             </a:endParaRPr>
           </a:p>
           <a:p>
-            <a:pPr eaLnBrk="0" hangingPunct="0"/>
-            <a:r>
-              <a:rPr lang="en-US" altLang="zh-CN" sz="2800" dirty="0">
-                <a:latin typeface="+mn-ea"/>
-                <a:ea typeface="+mn-ea"/>
+            <a:pPr eaLnBrk="0" hangingPunct="0">
+              <a:lnSpc>
+                <a:spcPct val="150000"/>
+              </a:lnSpc>
+            </a:pPr>
+            <a:r>
+              <a:rPr lang="en-US" altLang="zh-CN" sz="2400" dirty="0">
+                <a:latin typeface="微软雅黑" panose="020B0503020204020204" pitchFamily="34" charset="-122"/>
               </a:rPr>
-              <a:t>	&lt;/script&gt;</a:t>
-            </a:r>
-            <a:endParaRPr lang="en-US" altLang="zh-CN" sz="2800" dirty="0">
-              <a:latin typeface="+mn-ea"/>
-              <a:ea typeface="+mn-ea"/>
+              <a:t>	});</a:t>
+            </a:r>
+            <a:endParaRPr lang="en-US" altLang="zh-CN" sz="2400" dirty="0">
+              <a:latin typeface="微软雅黑" panose="020B0503020204020204" pitchFamily="34" charset="-122"/>
             </a:endParaRPr>
           </a:p>
           <a:p>
-            <a:pPr eaLnBrk="0" hangingPunct="0"/>
-            <a:r>
-              <a:rPr lang="en-US" altLang="zh-CN" sz="2800" dirty="0">
-                <a:latin typeface="+mn-ea"/>
-                <a:ea typeface="+mn-ea"/>
+            <a:pPr eaLnBrk="0" hangingPunct="0">
+              <a:lnSpc>
+                <a:spcPct val="150000"/>
+              </a:lnSpc>
+            </a:pPr>
+            <a:r>
+              <a:rPr lang="en-US" altLang="zh-CN" sz="2400" dirty="0">
+                <a:latin typeface="微软雅黑" panose="020B0503020204020204" pitchFamily="34" charset="-122"/>
               </a:rPr>
-              <a:t>&lt;/head&gt;</a:t>
-            </a:r>
-            <a:endParaRPr lang="en-US" altLang="zh-CN" sz="2800" dirty="0">
-              <a:latin typeface="+mn-ea"/>
-              <a:ea typeface="+mn-ea"/>
+              <a:t>&lt;/script&gt;</a:t>
+            </a:r>
+            <a:endParaRPr lang="en-US" altLang="zh-CN" sz="2400" dirty="0">
+              <a:latin typeface="微软雅黑" panose="020B0503020204020204" pitchFamily="34" charset="-122"/>
             </a:endParaRPr>
           </a:p>
           <a:p>
-            <a:pPr eaLnBrk="0" hangingPunct="0"/>
-            <a:r>
-              <a:rPr lang="en-US" altLang="zh-CN" sz="2800" dirty="0">
-                <a:latin typeface="+mn-ea"/>
-                <a:ea typeface="+mn-ea"/>
-              </a:rPr>
-              <a:t>&lt;body&gt;</a:t>
-            </a:r>
-            <a:endParaRPr lang="en-US" altLang="zh-CN" sz="2800" dirty="0">
-              <a:latin typeface="+mn-ea"/>
-              <a:ea typeface="+mn-ea"/>
-            </a:endParaRPr>
-          </a:p>
-          <a:p>
-            <a:pPr eaLnBrk="0" hangingPunct="0"/>
-            <a:r>
-              <a:rPr lang="en-US" altLang="zh-CN" sz="2800" dirty="0">
-                <a:latin typeface="+mn-ea"/>
-                <a:ea typeface="+mn-ea"/>
-              </a:rPr>
-              <a:t>	&lt;div id="divs" style="background-color:#FFEE11;height: 200px;width: 300px;font-size:50px;" &gt;鼠标出或者双击该层&lt;/div&gt;</a:t>
-            </a:r>
-            <a:endParaRPr lang="en-US" altLang="zh-CN" sz="2800" dirty="0">
-              <a:latin typeface="+mn-ea"/>
-              <a:ea typeface="+mn-ea"/>
-            </a:endParaRPr>
-          </a:p>
-          <a:p>
-            <a:pPr eaLnBrk="0" hangingPunct="0"/>
-            <a:r>
-              <a:rPr lang="en-US" altLang="zh-CN" sz="2800" dirty="0">
-                <a:latin typeface="+mn-ea"/>
-                <a:ea typeface="+mn-ea"/>
-              </a:rPr>
-              <a:t>&lt;/body&gt;</a:t>
-            </a:r>
-            <a:endParaRPr lang="en-US" altLang="zh-CN" sz="2800" dirty="0">
-              <a:latin typeface="+mn-ea"/>
-              <a:ea typeface="+mn-ea"/>
+            <a:pPr eaLnBrk="0" hangingPunct="0">
+              <a:lnSpc>
+                <a:spcPct val="150000"/>
+              </a:lnSpc>
+            </a:pPr>
+            <a:endParaRPr lang="en-US" altLang="zh-CN" sz="2400" dirty="0">
+              <a:latin typeface="微软雅黑" panose="020B0503020204020204" pitchFamily="34" charset="-122"/>
             </a:endParaRPr>
           </a:p>
         </p:txBody>
@@ -6051,6 +5959,432 @@
       </p:grpSpPr>
       <p:sp>
         <p:nvSpPr>
+          <p:cNvPr id="2" name="内容占位符 5"/>
+          <p:cNvSpPr>
+            <a:spLocks noGrp="1"/>
+          </p:cNvSpPr>
+          <p:nvPr/>
+        </p:nvSpPr>
+        <p:spPr bwMode="auto">
+          <a:xfrm>
+            <a:off x="575961" y="2054842"/>
+            <a:ext cx="7286625" cy="4643438"/>
+          </a:xfrm>
+          <a:prstGeom prst="rect">
+            <a:avLst/>
+          </a:prstGeom>
+          <a:solidFill>
+            <a:schemeClr val="bg1"/>
+          </a:solidFill>
+          <a:extLst>
+            <a:ext uri="{909E8E84-426E-40DD-AFC4-6F175D3DCCD1}">
+              <a14:hiddenFill xmlns:a14="http://schemas.microsoft.com/office/drawing/2010/main">
+                <a:solidFill>
+                  <a:srgbClr val="FFFFFF"/>
+                </a:solidFill>
+              </a14:hiddenFill>
+            </a:ext>
+            <a:ext uri="{91240B29-F687-4F45-9708-019B960494DF}">
+              <a14:hiddenLine xmlns:a14="http://schemas.microsoft.com/office/drawing/2010/main" w="9525">
+                <a:solidFill>
+                  <a:srgbClr val="000000"/>
+                </a:solidFill>
+                <a:miter lim="800000"/>
+                <a:headEnd/>
+                <a:tailEnd/>
+              </a14:hiddenLine>
+            </a:ext>
+          </a:extLst>
+        </p:spPr>
+        <p:txBody>
+          <a:bodyPr vert="horz" wrap="square" lIns="91440" tIns="45720" rIns="91440" bIns="45720" numCol="1" anchor="t" anchorCtr="0" compatLnSpc="1"/>
+          <a:lstStyle>
+            <a:lvl1pPr marL="167005" indent="-167005" algn="l" defTabSz="0" rtl="0" eaLnBrk="0" fontAlgn="base" hangingPunct="0">
+              <a:spcBef>
+                <a:spcPct val="0"/>
+              </a:spcBef>
+              <a:spcAft>
+                <a:spcPct val="15000"/>
+              </a:spcAft>
+              <a:buClr>
+                <a:schemeClr val="tx2"/>
+              </a:buClr>
+              <a:buFont typeface="Arial" panose="020B0604020202020204" pitchFamily="34" charset="0"/>
+              <a:buChar char="•"/>
+              <a:defRPr sz="2800">
+                <a:solidFill>
+                  <a:srgbClr val="006F53"/>
+                </a:solidFill>
+                <a:latin typeface="微软雅黑" panose="020B0503020204020204" pitchFamily="34" charset="-122"/>
+                <a:ea typeface="微软雅黑" panose="020B0503020204020204" pitchFamily="34" charset="-122"/>
+                <a:cs typeface="+mn-cs"/>
+              </a:defRPr>
+            </a:lvl1pPr>
+            <a:lvl2pPr marL="398780" indent="-230505" algn="l" defTabSz="0" rtl="0" eaLnBrk="0" fontAlgn="base" hangingPunct="0">
+              <a:spcBef>
+                <a:spcPct val="0"/>
+              </a:spcBef>
+              <a:spcAft>
+                <a:spcPct val="15000"/>
+              </a:spcAft>
+              <a:buClr>
+                <a:schemeClr val="tx2"/>
+              </a:buClr>
+              <a:buFont typeface="Arial" panose="020B0604020202020204" pitchFamily="34" charset="0"/>
+              <a:buChar char="–"/>
+              <a:defRPr sz="2000">
+                <a:solidFill>
+                  <a:schemeClr val="tx1"/>
+                </a:solidFill>
+                <a:latin typeface="微软雅黑" panose="020B0503020204020204" pitchFamily="34" charset="-122"/>
+                <a:ea typeface="微软雅黑" panose="020B0503020204020204" pitchFamily="34" charset="-122"/>
+              </a:defRPr>
+            </a:lvl2pPr>
+            <a:lvl3pPr marL="400050" indent="182880" algn="l" defTabSz="0" rtl="0" eaLnBrk="0" fontAlgn="base" hangingPunct="0">
+              <a:spcBef>
+                <a:spcPct val="0"/>
+              </a:spcBef>
+              <a:spcAft>
+                <a:spcPct val="15000"/>
+              </a:spcAft>
+              <a:buClr>
+                <a:schemeClr val="tx2"/>
+              </a:buClr>
+              <a:buFont typeface="Arial" panose="020B0604020202020204" pitchFamily="34" charset="0"/>
+              <a:buChar char="•"/>
+              <a:defRPr sz="1600">
+                <a:solidFill>
+                  <a:schemeClr val="tx1"/>
+                </a:solidFill>
+                <a:latin typeface="微软雅黑" panose="020B0503020204020204" pitchFamily="34" charset="-122"/>
+                <a:ea typeface="微软雅黑" panose="020B0503020204020204" pitchFamily="34" charset="-122"/>
+              </a:defRPr>
+            </a:lvl3pPr>
+            <a:lvl4pPr marL="825500" indent="-241300" algn="l" defTabSz="0" rtl="0" eaLnBrk="0" fontAlgn="base" hangingPunct="0">
+              <a:spcBef>
+                <a:spcPct val="0"/>
+              </a:spcBef>
+              <a:spcAft>
+                <a:spcPct val="15000"/>
+              </a:spcAft>
+              <a:buClr>
+                <a:schemeClr val="tx2"/>
+              </a:buClr>
+              <a:buFont typeface="Arial" panose="020B0604020202020204" pitchFamily="34" charset="0"/>
+              <a:buChar char="–"/>
+              <a:defRPr sz="1600">
+                <a:solidFill>
+                  <a:schemeClr val="tx1"/>
+                </a:solidFill>
+                <a:latin typeface="微软雅黑" panose="020B0503020204020204" pitchFamily="34" charset="-122"/>
+                <a:ea typeface="微软雅黑" panose="020B0503020204020204" pitchFamily="34" charset="-122"/>
+              </a:defRPr>
+            </a:lvl4pPr>
+            <a:lvl5pPr marL="2057400" indent="-228600" algn="l" defTabSz="0" rtl="0" eaLnBrk="0" fontAlgn="base" hangingPunct="0">
+              <a:spcBef>
+                <a:spcPct val="0"/>
+              </a:spcBef>
+              <a:spcAft>
+                <a:spcPct val="25000"/>
+              </a:spcAft>
+              <a:buClr>
+                <a:schemeClr val="tx2"/>
+              </a:buClr>
+              <a:buFont typeface="Arial" panose="020B0604020202020204" pitchFamily="34" charset="0"/>
+              <a:buChar char="–"/>
+              <a:defRPr sz="2000">
+                <a:solidFill>
+                  <a:schemeClr val="tx1"/>
+                </a:solidFill>
+                <a:latin typeface="+mn-lt"/>
+                <a:ea typeface="微软雅黑" panose="020B0503020204020204" pitchFamily="34" charset="-122"/>
+              </a:defRPr>
+            </a:lvl5pPr>
+            <a:lvl6pPr marL="2514600" indent="-228600" algn="l" defTabSz="0" rtl="0" eaLnBrk="0" fontAlgn="base" hangingPunct="0">
+              <a:spcBef>
+                <a:spcPct val="0"/>
+              </a:spcBef>
+              <a:spcAft>
+                <a:spcPct val="25000"/>
+              </a:spcAft>
+              <a:buClr>
+                <a:schemeClr val="tx2"/>
+              </a:buClr>
+              <a:buFont typeface="Arial" panose="020B0604020202020204" pitchFamily="34" charset="0"/>
+              <a:buChar char="–"/>
+              <a:defRPr>
+                <a:solidFill>
+                  <a:schemeClr val="tx1"/>
+                </a:solidFill>
+                <a:latin typeface="+mn-lt"/>
+              </a:defRPr>
+            </a:lvl6pPr>
+            <a:lvl7pPr marL="2971800" indent="-228600" algn="l" defTabSz="0" rtl="0" eaLnBrk="0" fontAlgn="base" hangingPunct="0">
+              <a:spcBef>
+                <a:spcPct val="0"/>
+              </a:spcBef>
+              <a:spcAft>
+                <a:spcPct val="25000"/>
+              </a:spcAft>
+              <a:buClr>
+                <a:schemeClr val="tx2"/>
+              </a:buClr>
+              <a:buFont typeface="Arial" panose="020B0604020202020204" pitchFamily="34" charset="0"/>
+              <a:buChar char="–"/>
+              <a:defRPr>
+                <a:solidFill>
+                  <a:schemeClr val="tx1"/>
+                </a:solidFill>
+                <a:latin typeface="+mn-lt"/>
+              </a:defRPr>
+            </a:lvl7pPr>
+            <a:lvl8pPr marL="3429000" indent="-228600" algn="l" defTabSz="0" rtl="0" eaLnBrk="0" fontAlgn="base" hangingPunct="0">
+              <a:spcBef>
+                <a:spcPct val="0"/>
+              </a:spcBef>
+              <a:spcAft>
+                <a:spcPct val="25000"/>
+              </a:spcAft>
+              <a:buClr>
+                <a:schemeClr val="tx2"/>
+              </a:buClr>
+              <a:buFont typeface="Arial" panose="020B0604020202020204" pitchFamily="34" charset="0"/>
+              <a:buChar char="–"/>
+              <a:defRPr>
+                <a:solidFill>
+                  <a:schemeClr val="tx1"/>
+                </a:solidFill>
+                <a:latin typeface="+mn-lt"/>
+              </a:defRPr>
+            </a:lvl8pPr>
+            <a:lvl9pPr marL="3886200" indent="-228600" algn="l" defTabSz="0" rtl="0" eaLnBrk="0" fontAlgn="base" hangingPunct="0">
+              <a:spcBef>
+                <a:spcPct val="0"/>
+              </a:spcBef>
+              <a:spcAft>
+                <a:spcPct val="25000"/>
+              </a:spcAft>
+              <a:buClr>
+                <a:schemeClr val="tx2"/>
+              </a:buClr>
+              <a:buFont typeface="Arial" panose="020B0604020202020204" pitchFamily="34" charset="0"/>
+              <a:buChar char="–"/>
+              <a:defRPr>
+                <a:solidFill>
+                  <a:schemeClr val="tx1"/>
+                </a:solidFill>
+                <a:latin typeface="+mn-lt"/>
+              </a:defRPr>
+            </a:lvl9pPr>
+          </a:lstStyle>
+          <a:p>
+            <a:endParaRPr lang="zh-CN" altLang="en-US" dirty="0" smtClean="0"/>
+          </a:p>
+          <a:p>
+            <a:endParaRPr lang="en-US" altLang="zh-CN" dirty="0" smtClean="0"/>
+          </a:p>
+          <a:p>
+            <a:endParaRPr lang="en-US" altLang="zh-CN" dirty="0" smtClean="0"/>
+          </a:p>
+          <a:p>
+            <a:endParaRPr lang="en-US" altLang="zh-CN" dirty="0" smtClean="0"/>
+          </a:p>
+          <a:p>
+            <a:endParaRPr lang="zh-CN" altLang="en-US" dirty="0" smtClean="0"/>
+          </a:p>
+          <a:p>
+            <a:endParaRPr lang="zh-CN" altLang="en-US" dirty="0" smtClean="0"/>
+          </a:p>
+        </p:txBody>
+      </p:sp>
+      <p:sp>
+        <p:nvSpPr>
+          <p:cNvPr id="3" name="TextBox 9"/>
+          <p:cNvSpPr txBox="1"/>
+          <p:nvPr/>
+        </p:nvSpPr>
+        <p:spPr>
+          <a:xfrm>
+            <a:off x="1187450" y="857250"/>
+            <a:ext cx="10343515" cy="5631180"/>
+          </a:xfrm>
+          <a:prstGeom prst="rect">
+            <a:avLst/>
+          </a:prstGeom>
+          <a:noFill/>
+          <a:ln w="9525">
+            <a:noFill/>
+          </a:ln>
+        </p:spPr>
+        <p:txBody>
+          <a:bodyPr wrap="square" anchor="t">
+            <a:spAutoFit/>
+          </a:bodyPr>
+          <a:p>
+            <a:pPr latinLnBrk="0">
+              <a:lnSpc>
+                <a:spcPct val="150000"/>
+              </a:lnSpc>
+            </a:pPr>
+            <a:r>
+              <a:rPr lang="en-US" altLang="zh-CN" sz="2400" dirty="0">
+                <a:latin typeface="微软雅黑" panose="020B0503020204020204" pitchFamily="34" charset="-122"/>
+              </a:rPr>
+              <a:t>$(document).ready(function(){</a:t>
+            </a:r>
+            <a:endParaRPr lang="en-US" altLang="zh-CN" sz="2400" dirty="0">
+              <a:latin typeface="微软雅黑" panose="020B0503020204020204" pitchFamily="34" charset="-122"/>
+            </a:endParaRPr>
+          </a:p>
+          <a:p>
+            <a:pPr latinLnBrk="0">
+              <a:lnSpc>
+                <a:spcPct val="150000"/>
+              </a:lnSpc>
+            </a:pPr>
+            <a:r>
+              <a:rPr lang="en-US" altLang="zh-CN" sz="2400" dirty="0">
+                <a:latin typeface="微软雅黑" panose="020B0503020204020204" pitchFamily="34" charset="-122"/>
+              </a:rPr>
+              <a:t>	$("#divs").bind({</a:t>
+            </a:r>
+            <a:endParaRPr lang="en-US" altLang="zh-CN" sz="2400" dirty="0">
+              <a:latin typeface="微软雅黑" panose="020B0503020204020204" pitchFamily="34" charset="-122"/>
+            </a:endParaRPr>
+          </a:p>
+          <a:p>
+            <a:pPr latinLnBrk="0">
+              <a:lnSpc>
+                <a:spcPct val="150000"/>
+              </a:lnSpc>
+            </a:pPr>
+            <a:r>
+              <a:rPr lang="en-US" altLang="zh-CN" sz="2400" dirty="0">
+                <a:latin typeface="微软雅黑" panose="020B0503020204020204" pitchFamily="34" charset="-122"/>
+              </a:rPr>
+              <a:t>		"dblclick":function(){</a:t>
+            </a:r>
+            <a:endParaRPr lang="en-US" altLang="zh-CN" sz="2400" dirty="0">
+              <a:latin typeface="微软雅黑" panose="020B0503020204020204" pitchFamily="34" charset="-122"/>
+            </a:endParaRPr>
+          </a:p>
+          <a:p>
+            <a:pPr latinLnBrk="0">
+              <a:lnSpc>
+                <a:spcPct val="150000"/>
+              </a:lnSpc>
+            </a:pPr>
+            <a:r>
+              <a:rPr lang="en-US" altLang="zh-CN" sz="2400" dirty="0">
+                <a:latin typeface="微软雅黑" panose="020B0503020204020204" pitchFamily="34" charset="-122"/>
+              </a:rPr>
+              <a:t>			$(this).css("background-color","blue");</a:t>
+            </a:r>
+            <a:endParaRPr lang="en-US" altLang="zh-CN" sz="2400" dirty="0">
+              <a:latin typeface="微软雅黑" panose="020B0503020204020204" pitchFamily="34" charset="-122"/>
+            </a:endParaRPr>
+          </a:p>
+          <a:p>
+            <a:pPr latinLnBrk="0">
+              <a:lnSpc>
+                <a:spcPct val="150000"/>
+              </a:lnSpc>
+            </a:pPr>
+            <a:r>
+              <a:rPr lang="en-US" altLang="zh-CN" sz="2400" dirty="0">
+                <a:latin typeface="微软雅黑" panose="020B0503020204020204" pitchFamily="34" charset="-122"/>
+              </a:rPr>
+              <a:t>		},</a:t>
+            </a:r>
+            <a:endParaRPr lang="en-US" altLang="zh-CN" sz="2400" dirty="0">
+              <a:latin typeface="微软雅黑" panose="020B0503020204020204" pitchFamily="34" charset="-122"/>
+            </a:endParaRPr>
+          </a:p>
+          <a:p>
+            <a:pPr latinLnBrk="0">
+              <a:lnSpc>
+                <a:spcPct val="150000"/>
+              </a:lnSpc>
+            </a:pPr>
+            <a:r>
+              <a:rPr lang="en-US" altLang="zh-CN" sz="2400" dirty="0">
+                <a:latin typeface="微软雅黑" panose="020B0503020204020204" pitchFamily="34" charset="-122"/>
+              </a:rPr>
+              <a:t>		"mouseout":function(){</a:t>
+            </a:r>
+            <a:endParaRPr lang="en-US" altLang="zh-CN" sz="2400" dirty="0">
+              <a:latin typeface="微软雅黑" panose="020B0503020204020204" pitchFamily="34" charset="-122"/>
+            </a:endParaRPr>
+          </a:p>
+          <a:p>
+            <a:pPr latinLnBrk="0">
+              <a:lnSpc>
+                <a:spcPct val="150000"/>
+              </a:lnSpc>
+            </a:pPr>
+            <a:r>
+              <a:rPr lang="en-US" altLang="zh-CN" sz="2400" dirty="0">
+                <a:latin typeface="微软雅黑" panose="020B0503020204020204" pitchFamily="34" charset="-122"/>
+              </a:rPr>
+              <a:t>			$(this).css("width","200px")</a:t>
+            </a:r>
+            <a:endParaRPr lang="en-US" altLang="zh-CN" sz="2400" dirty="0">
+              <a:latin typeface="微软雅黑" panose="020B0503020204020204" pitchFamily="34" charset="-122"/>
+            </a:endParaRPr>
+          </a:p>
+          <a:p>
+            <a:pPr latinLnBrk="0">
+              <a:lnSpc>
+                <a:spcPct val="150000"/>
+              </a:lnSpc>
+            </a:pPr>
+            <a:r>
+              <a:rPr lang="en-US" altLang="zh-CN" sz="2400" dirty="0">
+                <a:latin typeface="微软雅黑" panose="020B0503020204020204" pitchFamily="34" charset="-122"/>
+              </a:rPr>
+              <a:t>		}</a:t>
+            </a:r>
+            <a:endParaRPr lang="en-US" altLang="zh-CN" sz="2400" dirty="0">
+              <a:latin typeface="微软雅黑" panose="020B0503020204020204" pitchFamily="34" charset="-122"/>
+            </a:endParaRPr>
+          </a:p>
+          <a:p>
+            <a:pPr latinLnBrk="0">
+              <a:lnSpc>
+                <a:spcPct val="150000"/>
+              </a:lnSpc>
+            </a:pPr>
+            <a:r>
+              <a:rPr lang="en-US" altLang="zh-CN" sz="2400" dirty="0">
+                <a:latin typeface="微软雅黑" panose="020B0503020204020204" pitchFamily="34" charset="-122"/>
+              </a:rPr>
+              <a:t>	});</a:t>
+            </a:r>
+            <a:endParaRPr lang="en-US" altLang="zh-CN" sz="2400" dirty="0">
+              <a:latin typeface="微软雅黑" panose="020B0503020204020204" pitchFamily="34" charset="-122"/>
+            </a:endParaRPr>
+          </a:p>
+          <a:p>
+            <a:pPr latinLnBrk="0">
+              <a:lnSpc>
+                <a:spcPct val="150000"/>
+              </a:lnSpc>
+            </a:pPr>
+            <a:r>
+              <a:rPr lang="en-US" altLang="zh-CN" sz="2400" dirty="0">
+                <a:latin typeface="微软雅黑" panose="020B0503020204020204" pitchFamily="34" charset="-122"/>
+              </a:rPr>
+              <a:t>});</a:t>
+            </a:r>
+            <a:endParaRPr lang="en-US" altLang="zh-CN" sz="2800" dirty="0">
+              <a:latin typeface="+mn-ea"/>
+              <a:ea typeface="+mn-ea"/>
+            </a:endParaRPr>
+          </a:p>
+        </p:txBody>
+      </p:sp>
+      <p:sp>
+        <p:nvSpPr>
           <p:cNvPr id="20482" name="内容占位符 5"/>
           <p:cNvSpPr>
             <a:spLocks noGrp="1"/>
@@ -6296,7 +6630,7 @@
         </p:nvSpPr>
         <p:spPr bwMode="auto">
           <a:xfrm>
-            <a:off x="8107710" y="4178638"/>
+            <a:off x="8107710" y="5541983"/>
             <a:ext cx="2148205" cy="583565"/>
           </a:xfrm>
           <a:prstGeom prst="rect">
@@ -6444,171 +6778,6 @@
               <a:t>demo2-3-5</a:t>
             </a:r>
             <a:endParaRPr lang="en-US" altLang="zh-CN" dirty="0"/>
-          </a:p>
-        </p:txBody>
-      </p:sp>
-      <p:sp>
-        <p:nvSpPr>
-          <p:cNvPr id="3" name="TextBox 9"/>
-          <p:cNvSpPr txBox="1"/>
-          <p:nvPr/>
-        </p:nvSpPr>
-        <p:spPr>
-          <a:xfrm>
-            <a:off x="685800" y="868680"/>
-            <a:ext cx="10935970" cy="5692775"/>
-          </a:xfrm>
-          <a:prstGeom prst="rect">
-            <a:avLst/>
-          </a:prstGeom>
-          <a:noFill/>
-          <a:ln w="9525">
-            <a:noFill/>
-          </a:ln>
-        </p:spPr>
-        <p:txBody>
-          <a:bodyPr wrap="square" anchor="t">
-            <a:spAutoFit/>
-          </a:bodyPr>
-          <a:p>
-            <a:pPr eaLnBrk="0" hangingPunct="0"/>
-            <a:r>
-              <a:rPr lang="en-US" altLang="zh-CN" sz="2800" dirty="0">
-                <a:latin typeface="+mn-ea"/>
-                <a:ea typeface="+mn-ea"/>
-              </a:rPr>
-              <a:t>	&lt;script&gt;</a:t>
-            </a:r>
-            <a:endParaRPr lang="en-US" altLang="zh-CN" sz="2800" dirty="0">
-              <a:latin typeface="+mn-ea"/>
-              <a:ea typeface="+mn-ea"/>
-            </a:endParaRPr>
-          </a:p>
-          <a:p>
-            <a:pPr eaLnBrk="0" hangingPunct="0"/>
-            <a:r>
-              <a:rPr lang="en-US" altLang="zh-CN" sz="2800" dirty="0">
-                <a:latin typeface="+mn-ea"/>
-                <a:ea typeface="+mn-ea"/>
-              </a:rPr>
-              <a:t>		$(document).ready(function(){</a:t>
-            </a:r>
-            <a:endParaRPr lang="en-US" altLang="zh-CN" sz="2800" dirty="0">
-              <a:latin typeface="+mn-ea"/>
-              <a:ea typeface="+mn-ea"/>
-            </a:endParaRPr>
-          </a:p>
-          <a:p>
-            <a:pPr eaLnBrk="0" hangingPunct="0"/>
-            <a:r>
-              <a:rPr lang="en-US" altLang="zh-CN" sz="2800" dirty="0">
-                <a:latin typeface="+mn-ea"/>
-                <a:ea typeface="+mn-ea"/>
-              </a:rPr>
-              <a:t>			$("#divs").bind({"dblclick":function(){</a:t>
-            </a:r>
-            <a:endParaRPr lang="en-US" altLang="zh-CN" sz="2800" dirty="0">
-              <a:latin typeface="+mn-ea"/>
-              <a:ea typeface="+mn-ea"/>
-            </a:endParaRPr>
-          </a:p>
-          <a:p>
-            <a:pPr eaLnBrk="0" hangingPunct="0"/>
-            <a:r>
-              <a:rPr lang="en-US" altLang="zh-CN" sz="2800" dirty="0">
-                <a:latin typeface="+mn-ea"/>
-                <a:ea typeface="+mn-ea"/>
-              </a:rPr>
-              <a:t>				$(this).css("background-color","blue");},"mouseout":function(){$(this).css("width","200px")}});</a:t>
-            </a:r>
-            <a:endParaRPr lang="en-US" altLang="zh-CN" sz="2800" dirty="0">
-              <a:latin typeface="+mn-ea"/>
-              <a:ea typeface="+mn-ea"/>
-            </a:endParaRPr>
-          </a:p>
-          <a:p>
-            <a:pPr eaLnBrk="0" hangingPunct="0"/>
-            <a:r>
-              <a:rPr lang="en-US" altLang="zh-CN" sz="2800" dirty="0">
-                <a:latin typeface="+mn-ea"/>
-                <a:ea typeface="+mn-ea"/>
-              </a:rPr>
-              <a:t>		});</a:t>
-            </a:r>
-            <a:endParaRPr lang="en-US" altLang="zh-CN" sz="2800" dirty="0">
-              <a:latin typeface="+mn-ea"/>
-              <a:ea typeface="+mn-ea"/>
-            </a:endParaRPr>
-          </a:p>
-          <a:p>
-            <a:pPr eaLnBrk="0" hangingPunct="0"/>
-            <a:r>
-              <a:rPr lang="en-US" altLang="zh-CN" sz="2800" dirty="0">
-                <a:latin typeface="+mn-ea"/>
-                <a:ea typeface="+mn-ea"/>
-              </a:rPr>
-              <a:t>	&lt;/script&gt;</a:t>
-            </a:r>
-            <a:endParaRPr lang="en-US" altLang="zh-CN" sz="2800" dirty="0">
-              <a:latin typeface="+mn-ea"/>
-              <a:ea typeface="+mn-ea"/>
-            </a:endParaRPr>
-          </a:p>
-          <a:p>
-            <a:pPr eaLnBrk="0" hangingPunct="0"/>
-            <a:r>
-              <a:rPr lang="en-US" altLang="zh-CN" sz="2800" dirty="0">
-                <a:latin typeface="+mn-ea"/>
-                <a:ea typeface="+mn-ea"/>
-              </a:rPr>
-              <a:t>&lt;/head&gt;</a:t>
-            </a:r>
-            <a:endParaRPr lang="en-US" altLang="zh-CN" sz="2800" dirty="0">
-              <a:latin typeface="+mn-ea"/>
-              <a:ea typeface="+mn-ea"/>
-            </a:endParaRPr>
-          </a:p>
-          <a:p>
-            <a:pPr eaLnBrk="0" hangingPunct="0"/>
-            <a:r>
-              <a:rPr lang="en-US" altLang="zh-CN" sz="2800" dirty="0">
-                <a:latin typeface="+mn-ea"/>
-                <a:ea typeface="+mn-ea"/>
-              </a:rPr>
-              <a:t>&lt;body&gt;</a:t>
-            </a:r>
-            <a:endParaRPr lang="en-US" altLang="zh-CN" sz="2800" dirty="0">
-              <a:latin typeface="+mn-ea"/>
-              <a:ea typeface="+mn-ea"/>
-            </a:endParaRPr>
-          </a:p>
-          <a:p>
-            <a:pPr eaLnBrk="0" hangingPunct="0"/>
-            <a:r>
-              <a:rPr lang="en-US" altLang="zh-CN" sz="2800" dirty="0">
-                <a:latin typeface="+mn-ea"/>
-                <a:ea typeface="+mn-ea"/>
-              </a:rPr>
-              <a:t>	&lt;div id="divs" style="background-color:#FFEE11;height: 200px;width: 300px;font-size:50px;" &gt;鼠标出或者双击该层&lt;/div&gt;</a:t>
-            </a:r>
-            <a:endParaRPr lang="en-US" altLang="zh-CN" sz="2800" dirty="0">
-              <a:latin typeface="+mn-ea"/>
-              <a:ea typeface="+mn-ea"/>
-            </a:endParaRPr>
-          </a:p>
-          <a:p>
-            <a:pPr eaLnBrk="0" hangingPunct="0"/>
-            <a:r>
-              <a:rPr lang="en-US" altLang="zh-CN" sz="2800" dirty="0">
-                <a:latin typeface="+mn-ea"/>
-                <a:ea typeface="+mn-ea"/>
-              </a:rPr>
-              <a:t>&lt;/body&gt;</a:t>
-            </a:r>
-            <a:endParaRPr lang="en-US" altLang="zh-CN" sz="2800" dirty="0">
-              <a:latin typeface="+mn-ea"/>
-              <a:ea typeface="+mn-ea"/>
-            </a:endParaRPr>
           </a:p>
         </p:txBody>
       </p:sp>
@@ -9059,7 +9228,7 @@
         <p:spPr bwMode="auto">
           <a:xfrm>
             <a:off x="730250" y="857250"/>
-            <a:ext cx="7651750" cy="6015990"/>
+            <a:ext cx="7651750" cy="5724525"/>
           </a:xfrm>
           <a:solidFill>
             <a:schemeClr val="bg1"/>
@@ -9110,7 +9279,7 @@
         <p:spPr>
           <a:xfrm>
             <a:off x="398780" y="1514475"/>
-            <a:ext cx="11499215" cy="5262245"/>
+            <a:ext cx="11499215" cy="4523105"/>
           </a:xfrm>
           <a:prstGeom prst="rect">
             <a:avLst/>
@@ -9125,19 +9294,11 @@
             <a:spAutoFit/>
           </a:bodyPr>
           <a:p>
-            <a:pPr eaLnBrk="0" hangingPunct="0"/>
-            <a:r>
-              <a:rPr lang="en-US" altLang="zh-CN" sz="2400" dirty="0">
-                <a:latin typeface="微软雅黑" panose="020B0503020204020204" pitchFamily="34" charset="-122"/>
-              </a:rPr>
-              <a:t>	&lt;script type="text/javascript" src="jquery-3.2.1.slim.min.js"&gt;&lt;/script&gt;</a:t>
-            </a:r>
-            <a:endParaRPr lang="en-US" altLang="zh-CN" sz="2400" dirty="0">
-              <a:latin typeface="微软雅黑" panose="020B0503020204020204" pitchFamily="34" charset="-122"/>
-            </a:endParaRPr>
-          </a:p>
-          <a:p>
-            <a:pPr eaLnBrk="0" hangingPunct="0"/>
+            <a:pPr eaLnBrk="0" hangingPunct="0">
+              <a:lnSpc>
+                <a:spcPct val="150000"/>
+              </a:lnSpc>
+            </a:pPr>
             <a:r>
               <a:rPr lang="en-US" altLang="zh-CN" sz="2400" dirty="0">
                 <a:latin typeface="微软雅黑" panose="020B0503020204020204" pitchFamily="34" charset="-122"/>
@@ -9149,7 +9310,11 @@
             </a:endParaRPr>
           </a:p>
           <a:p>
-            <a:pPr eaLnBrk="0" hangingPunct="0"/>
+            <a:pPr eaLnBrk="0" hangingPunct="0">
+              <a:lnSpc>
+                <a:spcPct val="150000"/>
+              </a:lnSpc>
+            </a:pPr>
             <a:r>
               <a:rPr lang="en-US" altLang="zh-CN" sz="2400" dirty="0">
                 <a:latin typeface="微软雅黑" panose="020B0503020204020204" pitchFamily="34" charset="-122"/>
@@ -9161,7 +9326,11 @@
             </a:endParaRPr>
           </a:p>
           <a:p>
-            <a:pPr eaLnBrk="0" hangingPunct="0"/>
+            <a:pPr eaLnBrk="0" hangingPunct="0">
+              <a:lnSpc>
+                <a:spcPct val="150000"/>
+              </a:lnSpc>
+            </a:pPr>
             <a:r>
               <a:rPr lang="en-US" altLang="zh-CN" sz="2400" dirty="0">
                 <a:latin typeface="微软雅黑" panose="020B0503020204020204" pitchFamily="34" charset="-122"/>
@@ -9173,7 +9342,11 @@
             </a:endParaRPr>
           </a:p>
           <a:p>
-            <a:pPr eaLnBrk="0" hangingPunct="0"/>
+            <a:pPr eaLnBrk="0" hangingPunct="0">
+              <a:lnSpc>
+                <a:spcPct val="150000"/>
+              </a:lnSpc>
+            </a:pPr>
             <a:r>
               <a:rPr lang="en-US" altLang="zh-CN" sz="2400" dirty="0">
                 <a:latin typeface="微软雅黑" panose="020B0503020204020204" pitchFamily="34" charset="-122"/>
@@ -9185,7 +9358,11 @@
             </a:endParaRPr>
           </a:p>
           <a:p>
-            <a:pPr eaLnBrk="0" hangingPunct="0"/>
+            <a:pPr eaLnBrk="0" hangingPunct="0">
+              <a:lnSpc>
+                <a:spcPct val="150000"/>
+              </a:lnSpc>
+            </a:pPr>
             <a:r>
               <a:rPr lang="en-US" altLang="zh-CN" sz="2400" dirty="0">
                 <a:latin typeface="微软雅黑" panose="020B0503020204020204" pitchFamily="34" charset="-122"/>
@@ -9197,7 +9374,11 @@
             </a:endParaRPr>
           </a:p>
           <a:p>
-            <a:pPr eaLnBrk="0" hangingPunct="0"/>
+            <a:pPr eaLnBrk="0" hangingPunct="0">
+              <a:lnSpc>
+                <a:spcPct val="150000"/>
+              </a:lnSpc>
+            </a:pPr>
             <a:r>
               <a:rPr lang="en-US" altLang="zh-CN" sz="2400" dirty="0">
                 <a:latin typeface="微软雅黑" panose="020B0503020204020204" pitchFamily="34" charset="-122"/>
@@ -9209,7 +9390,11 @@
             </a:endParaRPr>
           </a:p>
           <a:p>
-            <a:pPr eaLnBrk="0" hangingPunct="0"/>
+            <a:pPr eaLnBrk="0" hangingPunct="0">
+              <a:lnSpc>
+                <a:spcPct val="150000"/>
+              </a:lnSpc>
+            </a:pPr>
             <a:r>
               <a:rPr lang="en-US" altLang="zh-CN" sz="2400" dirty="0">
                 <a:latin typeface="微软雅黑" panose="020B0503020204020204" pitchFamily="34" charset="-122"/>
@@ -9221,49 +9406,11 @@
             </a:endParaRPr>
           </a:p>
           <a:p>
-            <a:pPr eaLnBrk="0" hangingPunct="0"/>
-            <a:r>
-              <a:rPr lang="en-US" altLang="zh-CN" sz="2400" dirty="0">
-                <a:latin typeface="微软雅黑" panose="020B0503020204020204" pitchFamily="34" charset="-122"/>
-              </a:rPr>
-              <a:t>&lt;/head&gt;</a:t>
-            </a:r>
-            <a:endParaRPr lang="en-US" altLang="zh-CN" sz="2400" dirty="0">
-              <a:latin typeface="微软雅黑" panose="020B0503020204020204" pitchFamily="34" charset="-122"/>
-            </a:endParaRPr>
-          </a:p>
-          <a:p>
-            <a:pPr eaLnBrk="0" hangingPunct="0"/>
-            <a:r>
-              <a:rPr lang="en-US" altLang="zh-CN" sz="2400" dirty="0">
-                <a:latin typeface="微软雅黑" panose="020B0503020204020204" pitchFamily="34" charset="-122"/>
-              </a:rPr>
-              <a:t>&lt;body&gt;</a:t>
-            </a:r>
-            <a:endParaRPr lang="en-US" altLang="zh-CN" sz="2400" dirty="0">
-              <a:latin typeface="微软雅黑" panose="020B0503020204020204" pitchFamily="34" charset="-122"/>
-            </a:endParaRPr>
-          </a:p>
-          <a:p>
-            <a:pPr eaLnBrk="0" hangingPunct="0"/>
-            <a:r>
-              <a:rPr lang="en-US" altLang="zh-CN" sz="2400" dirty="0">
-                <a:latin typeface="微软雅黑" panose="020B0503020204020204" pitchFamily="34" charset="-122"/>
-              </a:rPr>
-              <a:t>	&lt;div id="divs" style="margin-top:200px;margin-left:200px;width:350px;height:200px;font-size:50px;background-color:#FFEE22;color:#FFFFFF;"&gt;点击我获取位置&lt;/div&gt;</a:t>
-            </a:r>
-            <a:endParaRPr lang="en-US" altLang="zh-CN" sz="2400" dirty="0">
-              <a:latin typeface="微软雅黑" panose="020B0503020204020204" pitchFamily="34" charset="-122"/>
-            </a:endParaRPr>
-          </a:p>
-          <a:p>
-            <a:pPr eaLnBrk="0" hangingPunct="0"/>
-            <a:r>
-              <a:rPr lang="en-US" altLang="zh-CN" sz="2400" dirty="0">
-                <a:latin typeface="微软雅黑" panose="020B0503020204020204" pitchFamily="34" charset="-122"/>
-              </a:rPr>
-              <a:t>&lt;/body&gt;</a:t>
-            </a:r>
+            <a:pPr eaLnBrk="0" hangingPunct="0">
+              <a:lnSpc>
+                <a:spcPct val="150000"/>
+              </a:lnSpc>
+            </a:pPr>
             <a:endParaRPr lang="en-US" altLang="zh-CN" sz="2400" dirty="0">
               <a:latin typeface="微软雅黑" panose="020B0503020204020204" pitchFamily="34" charset="-122"/>
             </a:endParaRPr>
@@ -9439,7 +9586,7 @@
         </p:nvSpPr>
         <p:spPr bwMode="auto">
           <a:xfrm>
-            <a:off x="6619875" y="2638425"/>
+            <a:off x="6619875" y="2781935"/>
             <a:ext cx="524510" cy="433070"/>
           </a:xfrm>
           <a:prstGeom prst="rect">
@@ -9497,7 +9644,7 @@
         </p:nvSpPr>
         <p:spPr bwMode="auto">
           <a:xfrm>
-            <a:off x="10198100" y="2973070"/>
+            <a:off x="10198100" y="3260090"/>
             <a:ext cx="1350645" cy="525145"/>
           </a:xfrm>
           <a:prstGeom prst="rect">
@@ -9555,7 +9702,7 @@
         </p:nvSpPr>
         <p:spPr bwMode="auto">
           <a:xfrm>
-            <a:off x="6535420" y="3045460"/>
+            <a:off x="6535420" y="3332480"/>
             <a:ext cx="1386840" cy="454025"/>
           </a:xfrm>
           <a:prstGeom prst="rect">
@@ -14630,176 +14777,151 @@
             <a:pPr eaLnBrk="0" hangingPunct="0"/>
             <a:r>
               <a:rPr lang="en-US" altLang="zh-CN" sz="2400" dirty="0">
-                <a:latin typeface="+mn-ea"/>
-                <a:ea typeface="+mn-ea"/>
+                <a:latin typeface="微软雅黑" panose="020B0503020204020204" pitchFamily="34" charset="-122"/>
               </a:rPr>
               <a:t>&lt;div class='wrap'&gt;</a:t>
             </a:r>
             <a:endParaRPr lang="en-US" altLang="zh-CN" sz="2400" dirty="0">
-              <a:latin typeface="+mn-ea"/>
-              <a:ea typeface="+mn-ea"/>
+              <a:latin typeface="微软雅黑" panose="020B0503020204020204" pitchFamily="34" charset="-122"/>
             </a:endParaRPr>
           </a:p>
           <a:p>
             <a:pPr eaLnBrk="0" hangingPunct="0"/>
             <a:r>
               <a:rPr lang="en-US" altLang="zh-CN" sz="2400" dirty="0">
-                <a:latin typeface="+mn-ea"/>
-                <a:ea typeface="+mn-ea"/>
+                <a:latin typeface="微软雅黑" panose="020B0503020204020204" pitchFamily="34" charset="-122"/>
               </a:rPr>
               <a:t>	&lt;button id='add'&gt;</a:t>
             </a:r>
             <a:r>
               <a:rPr lang="zh-CN" altLang="en-US" sz="2400" dirty="0">
-                <a:latin typeface="+mn-ea"/>
-                <a:ea typeface="+mn-ea"/>
+                <a:latin typeface="微软雅黑" panose="020B0503020204020204" pitchFamily="34" charset="-122"/>
               </a:rPr>
               <a:t>添加</a:t>
             </a:r>
             <a:r>
               <a:rPr lang="en-US" altLang="zh-CN" sz="2400" dirty="0">
-                <a:latin typeface="+mn-ea"/>
-                <a:ea typeface="+mn-ea"/>
+                <a:latin typeface="微软雅黑" panose="020B0503020204020204" pitchFamily="34" charset="-122"/>
               </a:rPr>
               <a:t>&lt;/button&gt;</a:t>
             </a:r>
             <a:endParaRPr lang="en-US" altLang="zh-CN" sz="2400" dirty="0">
-              <a:latin typeface="+mn-ea"/>
-              <a:ea typeface="+mn-ea"/>
+              <a:latin typeface="微软雅黑" panose="020B0503020204020204" pitchFamily="34" charset="-122"/>
             </a:endParaRPr>
           </a:p>
           <a:p>
             <a:pPr eaLnBrk="0" hangingPunct="0"/>
             <a:r>
               <a:rPr lang="en-US" altLang="zh-CN" sz="2400" dirty="0">
-                <a:latin typeface="+mn-ea"/>
-                <a:ea typeface="+mn-ea"/>
+                <a:latin typeface="微软雅黑" panose="020B0503020204020204" pitchFamily="34" charset="-122"/>
               </a:rPr>
               <a:t>	&lt;button id='del'&gt;</a:t>
             </a:r>
             <a:r>
               <a:rPr lang="zh-CN" altLang="en-US" sz="2400" dirty="0">
-                <a:latin typeface="+mn-ea"/>
-                <a:ea typeface="+mn-ea"/>
+                <a:latin typeface="微软雅黑" panose="020B0503020204020204" pitchFamily="34" charset="-122"/>
               </a:rPr>
               <a:t>删除</a:t>
             </a:r>
             <a:r>
               <a:rPr lang="en-US" altLang="zh-CN" sz="2400" dirty="0">
-                <a:latin typeface="+mn-ea"/>
-                <a:ea typeface="+mn-ea"/>
+                <a:latin typeface="微软雅黑" panose="020B0503020204020204" pitchFamily="34" charset="-122"/>
                 <a:sym typeface="+mn-ea"/>
               </a:rPr>
               <a:t>&lt;/button&gt;</a:t>
             </a:r>
             <a:endParaRPr lang="zh-CN" altLang="en-US" sz="2400" dirty="0">
-              <a:latin typeface="+mn-ea"/>
-              <a:ea typeface="+mn-ea"/>
+              <a:latin typeface="微软雅黑" panose="020B0503020204020204" pitchFamily="34" charset="-122"/>
             </a:endParaRPr>
           </a:p>
           <a:p>
             <a:pPr eaLnBrk="0" hangingPunct="0"/>
             <a:r>
               <a:rPr lang="en-US" altLang="zh-CN" sz="2400" dirty="0">
-                <a:latin typeface="+mn-ea"/>
-                <a:ea typeface="+mn-ea"/>
+                <a:latin typeface="微软雅黑" panose="020B0503020204020204" pitchFamily="34" charset="-122"/>
               </a:rPr>
               <a:t>&lt;/div&gt;</a:t>
             </a:r>
             <a:endParaRPr lang="en-US" altLang="zh-CN" sz="2400" dirty="0">
-              <a:latin typeface="+mn-ea"/>
-              <a:ea typeface="+mn-ea"/>
+              <a:latin typeface="微软雅黑" panose="020B0503020204020204" pitchFamily="34" charset="-122"/>
             </a:endParaRPr>
           </a:p>
           <a:p>
             <a:pPr eaLnBrk="0" hangingPunct="0"/>
             <a:r>
               <a:rPr lang="en-US" altLang="zh-CN" sz="2400" dirty="0">
-                <a:latin typeface="+mn-ea"/>
-                <a:ea typeface="+mn-ea"/>
+                <a:latin typeface="微软雅黑" panose="020B0503020204020204" pitchFamily="34" charset="-122"/>
               </a:rPr>
               <a:t>&lt;script type='text/javascript'&gt;</a:t>
             </a:r>
             <a:endParaRPr lang="en-US" altLang="zh-CN" sz="2400" dirty="0">
-              <a:latin typeface="+mn-ea"/>
-              <a:ea typeface="+mn-ea"/>
+              <a:latin typeface="微软雅黑" panose="020B0503020204020204" pitchFamily="34" charset="-122"/>
             </a:endParaRPr>
           </a:p>
           <a:p>
             <a:pPr eaLnBrk="0" hangingPunct="0"/>
             <a:r>
               <a:rPr lang="en-US" altLang="zh-CN" sz="2400" dirty="0">
-                <a:latin typeface="+mn-ea"/>
-                <a:ea typeface="+mn-ea"/>
+                <a:latin typeface="微软雅黑" panose="020B0503020204020204" pitchFamily="34" charset="-122"/>
               </a:rPr>
               <a:t>	var addBtn = </a:t>
             </a:r>
             <a:endParaRPr lang="en-US" altLang="zh-CN" sz="2400" dirty="0">
-              <a:latin typeface="+mn-ea"/>
-              <a:ea typeface="+mn-ea"/>
+              <a:latin typeface="微软雅黑" panose="020B0503020204020204" pitchFamily="34" charset="-122"/>
             </a:endParaRPr>
           </a:p>
           <a:p>
             <a:pPr eaLnBrk="0" hangingPunct="0"/>
             <a:r>
               <a:rPr lang="en-US" altLang="zh-CN" sz="2400" dirty="0">
-                <a:latin typeface="+mn-ea"/>
-                <a:ea typeface="+mn-ea"/>
+                <a:latin typeface="微软雅黑" panose="020B0503020204020204" pitchFamily="34" charset="-122"/>
               </a:rPr>
               <a:t>	document.getElementById('add')</a:t>
             </a:r>
             <a:endParaRPr lang="en-US" altLang="zh-CN" sz="2400" dirty="0">
-              <a:latin typeface="+mn-ea"/>
-              <a:ea typeface="+mn-ea"/>
+              <a:latin typeface="微软雅黑" panose="020B0503020204020204" pitchFamily="34" charset="-122"/>
             </a:endParaRPr>
           </a:p>
           <a:p>
             <a:pPr eaLnBrk="0" hangingPunct="0"/>
             <a:r>
               <a:rPr lang="en-US" altLang="zh-CN" sz="2400" dirty="0">
-                <a:latin typeface="+mn-ea"/>
-                <a:ea typeface="+mn-ea"/>
+                <a:latin typeface="微软雅黑" panose="020B0503020204020204" pitchFamily="34" charset="-122"/>
               </a:rPr>
               <a:t>	addtn.onclick = function(){</a:t>
             </a:r>
             <a:endParaRPr lang="en-US" altLang="zh-CN" sz="2400" dirty="0">
-              <a:latin typeface="+mn-ea"/>
-              <a:ea typeface="+mn-ea"/>
+              <a:latin typeface="微软雅黑" panose="020B0503020204020204" pitchFamily="34" charset="-122"/>
             </a:endParaRPr>
           </a:p>
           <a:p>
             <a:pPr eaLnBrk="0" hangingPunct="0"/>
             <a:endParaRPr lang="en-US" altLang="zh-CN" sz="2400" dirty="0">
-              <a:latin typeface="+mn-ea"/>
-              <a:ea typeface="+mn-ea"/>
+              <a:latin typeface="微软雅黑" panose="020B0503020204020204" pitchFamily="34" charset="-122"/>
             </a:endParaRPr>
           </a:p>
           <a:p>
             <a:pPr eaLnBrk="0" hangingPunct="0"/>
             <a:r>
               <a:rPr lang="en-US" altLang="zh-CN" sz="2400" dirty="0">
-                <a:latin typeface="+mn-ea"/>
-                <a:ea typeface="+mn-ea"/>
+                <a:latin typeface="微软雅黑" panose="020B0503020204020204" pitchFamily="34" charset="-122"/>
               </a:rPr>
               <a:t>	}</a:t>
             </a:r>
             <a:endParaRPr lang="en-US" altLang="zh-CN" sz="2400" dirty="0">
-              <a:latin typeface="+mn-ea"/>
-              <a:ea typeface="+mn-ea"/>
+              <a:latin typeface="微软雅黑" panose="020B0503020204020204" pitchFamily="34" charset="-122"/>
             </a:endParaRPr>
           </a:p>
           <a:p>
             <a:pPr eaLnBrk="0" hangingPunct="0"/>
             <a:r>
               <a:rPr lang="en-US" altLang="zh-CN" sz="2400" dirty="0">
-                <a:latin typeface="+mn-ea"/>
-                <a:ea typeface="+mn-ea"/>
+                <a:latin typeface="微软雅黑" panose="020B0503020204020204" pitchFamily="34" charset="-122"/>
               </a:rPr>
               <a:t>&lt;/script&gt;</a:t>
             </a:r>
             <a:endParaRPr lang="en-US" altLang="zh-CN" sz="2400" dirty="0">
-              <a:latin typeface="+mn-ea"/>
-              <a:ea typeface="+mn-ea"/>
+              <a:latin typeface="微软雅黑" panose="020B0503020204020204" pitchFamily="34" charset="-122"/>
             </a:endParaRPr>
           </a:p>
         </p:txBody>
@@ -14831,148 +14953,127 @@
             <a:pPr eaLnBrk="0" hangingPunct="0"/>
             <a:r>
               <a:rPr lang="en-US" altLang="zh-CN" sz="2400" dirty="0">
-                <a:latin typeface="+mn-ea"/>
-                <a:ea typeface="+mn-ea"/>
+                <a:latin typeface="微软雅黑" panose="020B0503020204020204" pitchFamily="34" charset="-122"/>
               </a:rPr>
               <a:t>&lt;div class='wrap'&gt;</a:t>
             </a:r>
             <a:endParaRPr lang="en-US" altLang="zh-CN" sz="2400" dirty="0">
-              <a:latin typeface="+mn-ea"/>
-              <a:ea typeface="+mn-ea"/>
+              <a:latin typeface="微软雅黑" panose="020B0503020204020204" pitchFamily="34" charset="-122"/>
             </a:endParaRPr>
           </a:p>
           <a:p>
             <a:pPr eaLnBrk="0" hangingPunct="0"/>
             <a:r>
               <a:rPr lang="en-US" altLang="zh-CN" sz="2400" dirty="0">
-                <a:latin typeface="+mn-ea"/>
-                <a:ea typeface="+mn-ea"/>
+                <a:latin typeface="微软雅黑" panose="020B0503020204020204" pitchFamily="34" charset="-122"/>
               </a:rPr>
               <a:t>	&lt;button id='add'&gt;</a:t>
             </a:r>
             <a:r>
               <a:rPr lang="zh-CN" altLang="en-US" sz="2400" dirty="0">
-                <a:latin typeface="+mn-ea"/>
-                <a:ea typeface="+mn-ea"/>
+                <a:latin typeface="微软雅黑" panose="020B0503020204020204" pitchFamily="34" charset="-122"/>
               </a:rPr>
               <a:t>添加</a:t>
             </a:r>
             <a:r>
               <a:rPr lang="en-US" altLang="zh-CN" sz="2400" dirty="0">
-                <a:latin typeface="+mn-ea"/>
-                <a:ea typeface="+mn-ea"/>
+                <a:latin typeface="微软雅黑" panose="020B0503020204020204" pitchFamily="34" charset="-122"/>
               </a:rPr>
               <a:t>&lt;/button&gt;</a:t>
             </a:r>
             <a:endParaRPr lang="en-US" altLang="zh-CN" sz="2400" dirty="0">
-              <a:latin typeface="+mn-ea"/>
-              <a:ea typeface="+mn-ea"/>
+              <a:latin typeface="微软雅黑" panose="020B0503020204020204" pitchFamily="34" charset="-122"/>
             </a:endParaRPr>
           </a:p>
           <a:p>
             <a:pPr eaLnBrk="0" hangingPunct="0"/>
             <a:r>
               <a:rPr lang="en-US" altLang="zh-CN" sz="2400" dirty="0">
-                <a:latin typeface="+mn-ea"/>
-                <a:ea typeface="+mn-ea"/>
+                <a:latin typeface="微软雅黑" panose="020B0503020204020204" pitchFamily="34" charset="-122"/>
               </a:rPr>
               <a:t>	&lt;button id='del'&gt;</a:t>
             </a:r>
             <a:r>
               <a:rPr lang="zh-CN" altLang="en-US" sz="2400" dirty="0">
-                <a:latin typeface="+mn-ea"/>
-                <a:ea typeface="+mn-ea"/>
+                <a:latin typeface="微软雅黑" panose="020B0503020204020204" pitchFamily="34" charset="-122"/>
               </a:rPr>
               <a:t>删除</a:t>
             </a:r>
             <a:r>
               <a:rPr lang="en-US" altLang="zh-CN" sz="2400" dirty="0">
-                <a:latin typeface="+mn-ea"/>
-                <a:ea typeface="+mn-ea"/>
+                <a:latin typeface="微软雅黑" panose="020B0503020204020204" pitchFamily="34" charset="-122"/>
                 <a:sym typeface="+mn-ea"/>
               </a:rPr>
               <a:t>&lt;/button&gt;</a:t>
             </a:r>
             <a:endParaRPr lang="zh-CN" altLang="en-US" sz="2400" dirty="0">
-              <a:latin typeface="+mn-ea"/>
-              <a:ea typeface="+mn-ea"/>
+              <a:latin typeface="微软雅黑" panose="020B0503020204020204" pitchFamily="34" charset="-122"/>
             </a:endParaRPr>
           </a:p>
           <a:p>
             <a:pPr eaLnBrk="0" hangingPunct="0"/>
             <a:r>
               <a:rPr lang="en-US" altLang="zh-CN" sz="2400" dirty="0">
-                <a:latin typeface="+mn-ea"/>
-                <a:ea typeface="+mn-ea"/>
+                <a:latin typeface="微软雅黑" panose="020B0503020204020204" pitchFamily="34" charset="-122"/>
               </a:rPr>
               <a:t>&lt;/div&gt;</a:t>
             </a:r>
             <a:endParaRPr lang="en-US" altLang="zh-CN" sz="2400" dirty="0">
-              <a:latin typeface="+mn-ea"/>
-              <a:ea typeface="+mn-ea"/>
+              <a:latin typeface="微软雅黑" panose="020B0503020204020204" pitchFamily="34" charset="-122"/>
             </a:endParaRPr>
           </a:p>
           <a:p>
             <a:pPr eaLnBrk="0" hangingPunct="0"/>
             <a:r>
               <a:rPr lang="en-US" altLang="zh-CN" sz="2400" dirty="0">
-                <a:latin typeface="+mn-ea"/>
-                <a:ea typeface="+mn-ea"/>
+                <a:latin typeface="微软雅黑" panose="020B0503020204020204" pitchFamily="34" charset="-122"/>
               </a:rPr>
               <a:t>&lt;script type='text/javascript'&gt;</a:t>
             </a:r>
             <a:endParaRPr lang="en-US" altLang="zh-CN" sz="2400" dirty="0">
-              <a:latin typeface="+mn-ea"/>
-              <a:ea typeface="+mn-ea"/>
+              <a:latin typeface="微软雅黑" panose="020B0503020204020204" pitchFamily="34" charset="-122"/>
             </a:endParaRPr>
           </a:p>
           <a:p>
             <a:pPr eaLnBrk="0" hangingPunct="0"/>
             <a:r>
               <a:rPr lang="en-US" altLang="zh-CN" sz="2400" dirty="0">
-                <a:latin typeface="+mn-ea"/>
-                <a:ea typeface="+mn-ea"/>
+                <a:latin typeface="微软雅黑" panose="020B0503020204020204" pitchFamily="34" charset="-122"/>
               </a:rPr>
               <a:t>	$('#add').click(function(){</a:t>
             </a:r>
             <a:endParaRPr lang="en-US" altLang="zh-CN" sz="2400" dirty="0">
-              <a:latin typeface="+mn-ea"/>
-              <a:ea typeface="+mn-ea"/>
+              <a:latin typeface="微软雅黑" panose="020B0503020204020204" pitchFamily="34" charset="-122"/>
             </a:endParaRPr>
           </a:p>
           <a:p>
             <a:pPr eaLnBrk="0" hangingPunct="0"/>
             <a:endParaRPr lang="en-US" altLang="zh-CN" sz="2400" dirty="0">
-              <a:latin typeface="+mn-ea"/>
-              <a:ea typeface="+mn-ea"/>
+              <a:latin typeface="微软雅黑" panose="020B0503020204020204" pitchFamily="34" charset="-122"/>
             </a:endParaRPr>
           </a:p>
           <a:p>
             <a:pPr eaLnBrk="0" hangingPunct="0"/>
             <a:r>
               <a:rPr lang="en-US" altLang="zh-CN" sz="2400" dirty="0">
-                <a:latin typeface="+mn-ea"/>
-                <a:ea typeface="+mn-ea"/>
+                <a:latin typeface="微软雅黑" panose="020B0503020204020204" pitchFamily="34" charset="-122"/>
               </a:rPr>
               <a:t>	})</a:t>
             </a:r>
             <a:endParaRPr lang="en-US" altLang="zh-CN" sz="2400" dirty="0">
-              <a:latin typeface="+mn-ea"/>
-              <a:ea typeface="+mn-ea"/>
+              <a:latin typeface="微软雅黑" panose="020B0503020204020204" pitchFamily="34" charset="-122"/>
             </a:endParaRPr>
           </a:p>
           <a:p>
             <a:pPr eaLnBrk="0" hangingPunct="0"/>
             <a:r>
               <a:rPr lang="en-US" altLang="zh-CN" sz="2400" dirty="0">
-                <a:latin typeface="+mn-ea"/>
-                <a:ea typeface="+mn-ea"/>
+                <a:latin typeface="微软雅黑" panose="020B0503020204020204" pitchFamily="34" charset="-122"/>
               </a:rPr>
               <a:t>&lt;/script&gt;</a:t>
             </a:r>
             <a:endParaRPr lang="en-US" altLang="zh-CN" sz="2400" dirty="0">
-              <a:latin typeface="+mn-ea"/>
-              <a:ea typeface="+mn-ea"/>
+              <a:latin typeface="微软雅黑" panose="020B0503020204020204" pitchFamily="34" charset="-122"/>
             </a:endParaRPr>
           </a:p>
         </p:txBody>
